--- a/Figurev1.pptx
+++ b/Figurev1.pptx
@@ -3155,6 +3155,9 @@
           <a:prstGeom prst="roundRect">
             <a:avLst/>
           </a:prstGeom>
+          <a:ln>
+            <a:noFill/>
+          </a:ln>
         </p:spPr>
         <p:style>
           <a:lnRef idx="1">
